--- a/Interfaz_CEUFIT.pptx
+++ b/Interfaz_CEUFIT.pptx
@@ -5,19 +5,20 @@
     <p:sldMasterId id="2147483648" r:id="rId4"/>
   </p:sldMasterIdLst>
   <p:notesMasterIdLst>
-    <p:notesMasterId r:id="rId15"/>
+    <p:notesMasterId r:id="rId16"/>
   </p:notesMasterIdLst>
   <p:sldIdLst>
     <p:sldId id="265" r:id="rId5"/>
     <p:sldId id="256" r:id="rId6"/>
-    <p:sldId id="258" r:id="rId7"/>
-    <p:sldId id="257" r:id="rId8"/>
-    <p:sldId id="261" r:id="rId9"/>
-    <p:sldId id="262" r:id="rId10"/>
-    <p:sldId id="263" r:id="rId11"/>
-    <p:sldId id="264" r:id="rId12"/>
-    <p:sldId id="259" r:id="rId13"/>
-    <p:sldId id="260" r:id="rId14"/>
+    <p:sldId id="266" r:id="rId7"/>
+    <p:sldId id="258" r:id="rId8"/>
+    <p:sldId id="257" r:id="rId9"/>
+    <p:sldId id="261" r:id="rId10"/>
+    <p:sldId id="262" r:id="rId11"/>
+    <p:sldId id="263" r:id="rId12"/>
+    <p:sldId id="264" r:id="rId13"/>
+    <p:sldId id="259" r:id="rId14"/>
+    <p:sldId id="260" r:id="rId15"/>
   </p:sldIdLst>
   <p:sldSz cx="12192000" cy="6858000"/>
   <p:notesSz cx="6858000" cy="9144000"/>
@@ -515,7 +516,7 @@
           <a:p>
             <a:fld id="{8760D476-FBA2-4511-867B-D1A20D55BF75}" type="datetimeFigureOut">
               <a:rPr lang="es-ES" smtClean="0"/>
-              <a:t>07/10/2019</a:t>
+              <a:t>28/10/2019</a:t>
             </a:fld>
             <a:endParaRPr lang="es-ES"/>
           </a:p>
@@ -929,7 +930,7 @@
           <a:p>
             <a:fld id="{532A5258-C698-4B63-8FB2-C41A9A637DDF}" type="datetimeFigureOut">
               <a:rPr lang="es-ES" smtClean="0"/>
-              <a:t>07/10/2019</a:t>
+              <a:t>28/10/2019</a:t>
             </a:fld>
             <a:endParaRPr lang="es-ES"/>
           </a:p>
@@ -1127,7 +1128,7 @@
           <a:p>
             <a:fld id="{532A5258-C698-4B63-8FB2-C41A9A637DDF}" type="datetimeFigureOut">
               <a:rPr lang="es-ES" smtClean="0"/>
-              <a:t>07/10/2019</a:t>
+              <a:t>28/10/2019</a:t>
             </a:fld>
             <a:endParaRPr lang="es-ES"/>
           </a:p>
@@ -1335,7 +1336,7 @@
           <a:p>
             <a:fld id="{532A5258-C698-4B63-8FB2-C41A9A637DDF}" type="datetimeFigureOut">
               <a:rPr lang="es-ES" smtClean="0"/>
-              <a:t>07/10/2019</a:t>
+              <a:t>28/10/2019</a:t>
             </a:fld>
             <a:endParaRPr lang="es-ES"/>
           </a:p>
@@ -1533,7 +1534,7 @@
           <a:p>
             <a:fld id="{532A5258-C698-4B63-8FB2-C41A9A637DDF}" type="datetimeFigureOut">
               <a:rPr lang="es-ES" smtClean="0"/>
-              <a:t>07/10/2019</a:t>
+              <a:t>28/10/2019</a:t>
             </a:fld>
             <a:endParaRPr lang="es-ES"/>
           </a:p>
@@ -1808,7 +1809,7 @@
           <a:p>
             <a:fld id="{532A5258-C698-4B63-8FB2-C41A9A637DDF}" type="datetimeFigureOut">
               <a:rPr lang="es-ES" smtClean="0"/>
-              <a:t>07/10/2019</a:t>
+              <a:t>28/10/2019</a:t>
             </a:fld>
             <a:endParaRPr lang="es-ES"/>
           </a:p>
@@ -2073,7 +2074,7 @@
           <a:p>
             <a:fld id="{532A5258-C698-4B63-8FB2-C41A9A637DDF}" type="datetimeFigureOut">
               <a:rPr lang="es-ES" smtClean="0"/>
-              <a:t>07/10/2019</a:t>
+              <a:t>28/10/2019</a:t>
             </a:fld>
             <a:endParaRPr lang="es-ES"/>
           </a:p>
@@ -2485,7 +2486,7 @@
           <a:p>
             <a:fld id="{532A5258-C698-4B63-8FB2-C41A9A637DDF}" type="datetimeFigureOut">
               <a:rPr lang="es-ES" smtClean="0"/>
-              <a:t>07/10/2019</a:t>
+              <a:t>28/10/2019</a:t>
             </a:fld>
             <a:endParaRPr lang="es-ES"/>
           </a:p>
@@ -2626,7 +2627,7 @@
           <a:p>
             <a:fld id="{532A5258-C698-4B63-8FB2-C41A9A637DDF}" type="datetimeFigureOut">
               <a:rPr lang="es-ES" smtClean="0"/>
-              <a:t>07/10/2019</a:t>
+              <a:t>28/10/2019</a:t>
             </a:fld>
             <a:endParaRPr lang="es-ES"/>
           </a:p>
@@ -2739,7 +2740,7 @@
           <a:p>
             <a:fld id="{532A5258-C698-4B63-8FB2-C41A9A637DDF}" type="datetimeFigureOut">
               <a:rPr lang="es-ES" smtClean="0"/>
-              <a:t>07/10/2019</a:t>
+              <a:t>28/10/2019</a:t>
             </a:fld>
             <a:endParaRPr lang="es-ES"/>
           </a:p>
@@ -3050,7 +3051,7 @@
           <a:p>
             <a:fld id="{532A5258-C698-4B63-8FB2-C41A9A637DDF}" type="datetimeFigureOut">
               <a:rPr lang="es-ES" smtClean="0"/>
-              <a:t>07/10/2019</a:t>
+              <a:t>28/10/2019</a:t>
             </a:fld>
             <a:endParaRPr lang="es-ES"/>
           </a:p>
@@ -3338,7 +3339,7 @@
           <a:p>
             <a:fld id="{532A5258-C698-4B63-8FB2-C41A9A637DDF}" type="datetimeFigureOut">
               <a:rPr lang="es-ES" smtClean="0"/>
-              <a:t>07/10/2019</a:t>
+              <a:t>28/10/2019</a:t>
             </a:fld>
             <a:endParaRPr lang="es-ES"/>
           </a:p>
@@ -3579,7 +3580,7 @@
           <a:p>
             <a:fld id="{532A5258-C698-4B63-8FB2-C41A9A637DDF}" type="datetimeFigureOut">
               <a:rPr lang="es-ES" smtClean="0"/>
-              <a:t>07/10/2019</a:t>
+              <a:t>28/10/2019</a:t>
             </a:fld>
             <a:endParaRPr lang="es-ES"/>
           </a:p>
@@ -4555,6 +4556,382 @@
       </p:graphicFrame>
       <p:pic>
         <p:nvPicPr>
+          <p:cNvPr id="2" name="Imagen 1">
+            <a:extLst>
+              <a:ext uri="{FF2B5EF4-FFF2-40B4-BE49-F238E27FC236}">
+                <a16:creationId xmlns:a16="http://schemas.microsoft.com/office/drawing/2014/main" id="{4D83BFAF-46A6-44F8-B46A-C6AC07F25708}"/>
+              </a:ext>
+            </a:extLst>
+          </p:cNvPr>
+          <p:cNvPicPr>
+            <a:picLocks noChangeAspect="1"/>
+          </p:cNvPicPr>
+          <p:nvPr/>
+        </p:nvPicPr>
+        <p:blipFill>
+          <a:blip r:embed="rId3"/>
+          <a:stretch>
+            <a:fillRect/>
+          </a:stretch>
+        </p:blipFill>
+        <p:spPr>
+          <a:xfrm>
+            <a:off x="0" y="1741550"/>
+            <a:ext cx="12192000" cy="327431"/>
+          </a:xfrm>
+          <a:prstGeom prst="rect">
+            <a:avLst/>
+          </a:prstGeom>
+        </p:spPr>
+      </p:pic>
+      <p:pic>
+        <p:nvPicPr>
+          <p:cNvPr id="4" name="Imagen 3">
+            <a:extLst>
+              <a:ext uri="{FF2B5EF4-FFF2-40B4-BE49-F238E27FC236}">
+                <a16:creationId xmlns:a16="http://schemas.microsoft.com/office/drawing/2014/main" id="{6EE15036-FB27-41A4-B920-76888A2FC9EF}"/>
+              </a:ext>
+            </a:extLst>
+          </p:cNvPr>
+          <p:cNvPicPr>
+            <a:picLocks noChangeAspect="1"/>
+          </p:cNvPicPr>
+          <p:nvPr/>
+        </p:nvPicPr>
+        <p:blipFill>
+          <a:blip r:embed="rId4"/>
+          <a:stretch>
+            <a:fillRect/>
+          </a:stretch>
+        </p:blipFill>
+        <p:spPr>
+          <a:xfrm>
+            <a:off x="0" y="3635250"/>
+            <a:ext cx="12192000" cy="3222750"/>
+          </a:xfrm>
+          <a:prstGeom prst="rect">
+            <a:avLst/>
+          </a:prstGeom>
+        </p:spPr>
+      </p:pic>
+      <p:sp>
+        <p:nvSpPr>
+          <p:cNvPr id="5" name="CuadroTexto 4">
+            <a:extLst>
+              <a:ext uri="{FF2B5EF4-FFF2-40B4-BE49-F238E27FC236}">
+                <a16:creationId xmlns:a16="http://schemas.microsoft.com/office/drawing/2014/main" id="{DDFA36AF-6481-4F61-8674-258F09DAEDC8}"/>
+              </a:ext>
+            </a:extLst>
+          </p:cNvPr>
+          <p:cNvSpPr txBox="1"/>
+          <p:nvPr/>
+        </p:nvSpPr>
+        <p:spPr>
+          <a:xfrm>
+            <a:off x="2601157" y="2478762"/>
+            <a:ext cx="6010183" cy="646331"/>
+          </a:xfrm>
+          <a:prstGeom prst="rect">
+            <a:avLst/>
+          </a:prstGeom>
+        </p:spPr>
+        <p:style>
+          <a:lnRef idx="2">
+            <a:schemeClr val="accent2">
+              <a:shade val="50000"/>
+            </a:schemeClr>
+          </a:lnRef>
+          <a:fillRef idx="1">
+            <a:schemeClr val="accent2"/>
+          </a:fillRef>
+          <a:effectRef idx="0">
+            <a:schemeClr val="accent2"/>
+          </a:effectRef>
+          <a:fontRef idx="minor">
+            <a:schemeClr val="lt1"/>
+          </a:fontRef>
+        </p:style>
+        <p:txBody>
+          <a:bodyPr wrap="square" rtlCol="0">
+            <a:spAutoFit/>
+          </a:bodyPr>
+          <a:lstStyle/>
+          <a:p>
+            <a:r>
+              <a:rPr lang="es-ES" dirty="0"/>
+              <a:t>En la parte de abajo sería bueno tener un Donde estamos, RRSS, datos de contacto, etc.</a:t>
+            </a:r>
+          </a:p>
+        </p:txBody>
+      </p:sp>
+      <p:pic>
+        <p:nvPicPr>
+          <p:cNvPr id="6" name="Imagen 5">
+            <a:extLst>
+              <a:ext uri="{FF2B5EF4-FFF2-40B4-BE49-F238E27FC236}">
+                <a16:creationId xmlns:a16="http://schemas.microsoft.com/office/drawing/2014/main" id="{46C79E74-16AD-4ED5-93F0-6F8C395BD4DC}"/>
+              </a:ext>
+            </a:extLst>
+          </p:cNvPr>
+          <p:cNvPicPr>
+            <a:picLocks noChangeAspect="1"/>
+          </p:cNvPicPr>
+          <p:nvPr/>
+        </p:nvPicPr>
+        <p:blipFill>
+          <a:blip r:embed="rId5"/>
+          <a:stretch>
+            <a:fillRect/>
+          </a:stretch>
+        </p:blipFill>
+        <p:spPr>
+          <a:xfrm>
+            <a:off x="10874267" y="3199197"/>
+            <a:ext cx="1114425" cy="361950"/>
+          </a:xfrm>
+          <a:prstGeom prst="rect">
+            <a:avLst/>
+          </a:prstGeom>
+        </p:spPr>
+      </p:pic>
+      <p:sp>
+        <p:nvSpPr>
+          <p:cNvPr id="3" name="Rectángulo 2">
+            <a:extLst>
+              <a:ext uri="{FF2B5EF4-FFF2-40B4-BE49-F238E27FC236}">
+                <a16:creationId xmlns:a16="http://schemas.microsoft.com/office/drawing/2014/main" id="{1010950F-259B-4D99-901A-460D8CDE71D8}"/>
+              </a:ext>
+            </a:extLst>
+          </p:cNvPr>
+          <p:cNvSpPr/>
+          <p:nvPr/>
+        </p:nvSpPr>
+        <p:spPr>
+          <a:xfrm>
+            <a:off x="3098307" y="3746377"/>
+            <a:ext cx="2734322" cy="3111623"/>
+          </a:xfrm>
+          <a:prstGeom prst="rect">
+            <a:avLst/>
+          </a:prstGeom>
+        </p:spPr>
+        <p:style>
+          <a:lnRef idx="2">
+            <a:schemeClr val="accent1">
+              <a:shade val="50000"/>
+            </a:schemeClr>
+          </a:lnRef>
+          <a:fillRef idx="1">
+            <a:schemeClr val="accent1"/>
+          </a:fillRef>
+          <a:effectRef idx="0">
+            <a:schemeClr val="accent1"/>
+          </a:effectRef>
+          <a:fontRef idx="minor">
+            <a:schemeClr val="lt1"/>
+          </a:fontRef>
+        </p:style>
+        <p:txBody>
+          <a:bodyPr rtlCol="0" anchor="ctr"/>
+          <a:lstStyle/>
+          <a:p>
+            <a:pPr algn="ctr"/>
+            <a:r>
+              <a:rPr lang="es-ES" dirty="0"/>
+              <a:t>Contacto</a:t>
+            </a:r>
+          </a:p>
+        </p:txBody>
+      </p:sp>
+    </p:spTree>
+    <p:extLst>
+      <p:ext uri="{BB962C8B-B14F-4D97-AF65-F5344CB8AC3E}">
+        <p14:creationId xmlns:p14="http://schemas.microsoft.com/office/powerpoint/2010/main" val="2392687587"/>
+      </p:ext>
+    </p:extLst>
+  </p:cSld>
+  <p:clrMapOvr>
+    <a:masterClrMapping/>
+  </p:clrMapOvr>
+</p:sld>
+</file>
+
+<file path=ppt/slides/slide11.xml><?xml version="1.0" encoding="utf-8"?>
+<p:sld xmlns:a="http://schemas.openxmlformats.org/drawingml/2006/main" xmlns:r="http://schemas.openxmlformats.org/officeDocument/2006/relationships" xmlns:p="http://schemas.openxmlformats.org/presentationml/2006/main">
+  <p:cSld>
+    <p:spTree>
+      <p:nvGrpSpPr>
+        <p:cNvPr id="1" name=""/>
+        <p:cNvGrpSpPr/>
+        <p:nvPr/>
+      </p:nvGrpSpPr>
+      <p:grpSpPr>
+        <a:xfrm>
+          <a:off x="0" y="0"/>
+          <a:ext cx="0" cy="0"/>
+          <a:chOff x="0" y="0"/>
+          <a:chExt cx="0" cy="0"/>
+        </a:xfrm>
+      </p:grpSpPr>
+      <p:pic>
+        <p:nvPicPr>
+          <p:cNvPr id="11" name="Imagen 10">
+            <a:extLst>
+              <a:ext uri="{FF2B5EF4-FFF2-40B4-BE49-F238E27FC236}">
+                <a16:creationId xmlns:a16="http://schemas.microsoft.com/office/drawing/2014/main" id="{1939C339-BB43-4449-8FEB-188A8B3F6496}"/>
+              </a:ext>
+            </a:extLst>
+          </p:cNvPr>
+          <p:cNvPicPr>
+            <a:picLocks noChangeAspect="1"/>
+          </p:cNvPicPr>
+          <p:nvPr/>
+        </p:nvPicPr>
+        <p:blipFill>
+          <a:blip r:embed="rId2">
+            <a:extLst>
+              <a:ext uri="{28A0092B-C50C-407E-A947-70E740481C1C}">
+                <a14:useLocalDpi xmlns:a14="http://schemas.microsoft.com/office/drawing/2010/main" val="0"/>
+              </a:ext>
+            </a:extLst>
+          </a:blip>
+          <a:stretch>
+            <a:fillRect/>
+          </a:stretch>
+        </p:blipFill>
+        <p:spPr>
+          <a:xfrm>
+            <a:off x="429477" y="0"/>
+            <a:ext cx="1905266" cy="1905266"/>
+          </a:xfrm>
+          <a:prstGeom prst="rect">
+            <a:avLst/>
+          </a:prstGeom>
+        </p:spPr>
+      </p:pic>
+      <p:graphicFrame>
+        <p:nvGraphicFramePr>
+          <p:cNvPr id="12" name="Tabla 11">
+            <a:extLst>
+              <a:ext uri="{FF2B5EF4-FFF2-40B4-BE49-F238E27FC236}">
+                <a16:creationId xmlns:a16="http://schemas.microsoft.com/office/drawing/2014/main" id="{BA2B87E6-F957-4D48-A8D8-3AB0539E9FD2}"/>
+              </a:ext>
+            </a:extLst>
+          </p:cNvPr>
+          <p:cNvGraphicFramePr>
+            <a:graphicFrameLocks noGrp="1"/>
+          </p:cNvGraphicFramePr>
+          <p:nvPr/>
+        </p:nvGraphicFramePr>
+        <p:xfrm>
+          <a:off x="2367294" y="605548"/>
+          <a:ext cx="8860000" cy="694170"/>
+        </p:xfrm>
+        <a:graphic>
+          <a:graphicData uri="http://schemas.openxmlformats.org/drawingml/2006/table">
+            <a:tbl>
+              <a:tblPr firstRow="1" bandRow="1">
+                <a:tableStyleId>{5FD0F851-EC5A-4D38-B0AD-8093EC10F338}</a:tableStyleId>
+              </a:tblPr>
+              <a:tblGrid>
+                <a:gridCol w="2215000">
+                  <a:extLst>
+                    <a:ext uri="{9D8B030D-6E8A-4147-A177-3AD203B41FA5}">
+                      <a16:colId xmlns:a16="http://schemas.microsoft.com/office/drawing/2014/main" val="2629240312"/>
+                    </a:ext>
+                  </a:extLst>
+                </a:gridCol>
+                <a:gridCol w="2215000">
+                  <a:extLst>
+                    <a:ext uri="{9D8B030D-6E8A-4147-A177-3AD203B41FA5}">
+                      <a16:colId xmlns:a16="http://schemas.microsoft.com/office/drawing/2014/main" val="334801283"/>
+                    </a:ext>
+                  </a:extLst>
+                </a:gridCol>
+                <a:gridCol w="2215000">
+                  <a:extLst>
+                    <a:ext uri="{9D8B030D-6E8A-4147-A177-3AD203B41FA5}">
+                      <a16:colId xmlns:a16="http://schemas.microsoft.com/office/drawing/2014/main" val="2273691399"/>
+                    </a:ext>
+                  </a:extLst>
+                </a:gridCol>
+                <a:gridCol w="2215000">
+                  <a:extLst>
+                    <a:ext uri="{9D8B030D-6E8A-4147-A177-3AD203B41FA5}">
+                      <a16:colId xmlns:a16="http://schemas.microsoft.com/office/drawing/2014/main" val="416161982"/>
+                    </a:ext>
+                  </a:extLst>
+                </a:gridCol>
+              </a:tblGrid>
+              <a:tr h="694170">
+                <a:tc>
+                  <a:txBody>
+                    <a:bodyPr/>
+                    <a:lstStyle/>
+                    <a:p>
+                      <a:pPr algn="ctr"/>
+                      <a:r>
+                        <a:rPr lang="es-ES" dirty="0"/>
+                        <a:t>INSTALACIONES</a:t>
+                      </a:r>
+                    </a:p>
+                  </a:txBody>
+                  <a:tcPr anchor="ctr"/>
+                </a:tc>
+                <a:tc>
+                  <a:txBody>
+                    <a:bodyPr/>
+                    <a:lstStyle/>
+                    <a:p>
+                      <a:pPr algn="ctr"/>
+                      <a:r>
+                        <a:rPr lang="es-ES" dirty="0"/>
+                        <a:t>CLASES</a:t>
+                      </a:r>
+                    </a:p>
+                  </a:txBody>
+                  <a:tcPr anchor="ctr"/>
+                </a:tc>
+                <a:tc>
+                  <a:txBody>
+                    <a:bodyPr/>
+                    <a:lstStyle/>
+                    <a:p>
+                      <a:pPr algn="ctr"/>
+                      <a:r>
+                        <a:rPr lang="es-ES" dirty="0"/>
+                        <a:t>HORARIOS</a:t>
+                      </a:r>
+                    </a:p>
+                  </a:txBody>
+                  <a:tcPr anchor="ctr"/>
+                </a:tc>
+                <a:tc>
+                  <a:txBody>
+                    <a:bodyPr/>
+                    <a:lstStyle/>
+                    <a:p>
+                      <a:pPr algn="ctr"/>
+                      <a:r>
+                        <a:rPr lang="es-ES" dirty="0"/>
+                        <a:t>REGISTRO</a:t>
+                      </a:r>
+                    </a:p>
+                  </a:txBody>
+                  <a:tcPr anchor="ctr"/>
+                </a:tc>
+                <a:extLst>
+                  <a:ext uri="{0D108BD9-81ED-4DB2-BD59-A6C34878D82A}">
+                    <a16:rowId xmlns:a16="http://schemas.microsoft.com/office/drawing/2014/main" val="303552960"/>
+                  </a:ext>
+                </a:extLst>
+              </a:tr>
+            </a:tbl>
+          </a:graphicData>
+        </a:graphic>
+      </p:graphicFrame>
+      <p:pic>
+        <p:nvPicPr>
           <p:cNvPr id="6" name="Imagen 5">
             <a:extLst>
               <a:ext uri="{FF2B5EF4-FFF2-40B4-BE49-F238E27FC236}">
@@ -4992,6 +5369,61 @@
       </p:grpSpPr>
       <p:sp>
         <p:nvSpPr>
+          <p:cNvPr id="2" name="Título 1">
+            <a:extLst>
+              <a:ext uri="{FF2B5EF4-FFF2-40B4-BE49-F238E27FC236}">
+                <a16:creationId xmlns:a16="http://schemas.microsoft.com/office/drawing/2014/main" id="{F33775FD-D36E-44C9-83DF-17426B20FA30}"/>
+              </a:ext>
+            </a:extLst>
+          </p:cNvPr>
+          <p:cNvSpPr>
+            <a:spLocks noGrp="1"/>
+          </p:cNvSpPr>
+          <p:nvPr>
+            <p:ph type="title"/>
+          </p:nvPr>
+        </p:nvSpPr>
+        <p:spPr/>
+        <p:txBody>
+          <a:bodyPr/>
+          <a:lstStyle/>
+          <a:p>
+            <a:endParaRPr lang="es-ES"/>
+          </a:p>
+        </p:txBody>
+      </p:sp>
+    </p:spTree>
+    <p:extLst>
+      <p:ext uri="{BB962C8B-B14F-4D97-AF65-F5344CB8AC3E}">
+        <p14:creationId xmlns:p14="http://schemas.microsoft.com/office/powerpoint/2010/main" val="3150688758"/>
+      </p:ext>
+    </p:extLst>
+  </p:cSld>
+  <p:clrMapOvr>
+    <a:masterClrMapping/>
+  </p:clrMapOvr>
+</p:sld>
+</file>
+
+<file path=ppt/slides/slide4.xml><?xml version="1.0" encoding="utf-8"?>
+<p:sld xmlns:a="http://schemas.openxmlformats.org/drawingml/2006/main" xmlns:r="http://schemas.openxmlformats.org/officeDocument/2006/relationships" xmlns:p="http://schemas.openxmlformats.org/presentationml/2006/main">
+  <p:cSld>
+    <p:spTree>
+      <p:nvGrpSpPr>
+        <p:cNvPr id="1" name=""/>
+        <p:cNvGrpSpPr/>
+        <p:nvPr/>
+      </p:nvGrpSpPr>
+      <p:grpSpPr>
+        <a:xfrm>
+          <a:off x="0" y="0"/>
+          <a:ext cx="0" cy="0"/>
+          <a:chOff x="0" y="0"/>
+          <a:chExt cx="0" cy="0"/>
+        </a:xfrm>
+      </p:grpSpPr>
+      <p:sp>
+        <p:nvSpPr>
           <p:cNvPr id="2" name="Rectángulo 1">
             <a:extLst>
               <a:ext uri="{FF2B5EF4-FFF2-40B4-BE49-F238E27FC236}">
@@ -5412,7 +5844,7 @@
 </p:sld>
 </file>
 
-<file path=ppt/slides/slide4.xml><?xml version="1.0" encoding="utf-8"?>
+<file path=ppt/slides/slide5.xml><?xml version="1.0" encoding="utf-8"?>
 <p:sld xmlns:a="http://schemas.openxmlformats.org/drawingml/2006/main" xmlns:r="http://schemas.openxmlformats.org/officeDocument/2006/relationships" xmlns:p="http://schemas.openxmlformats.org/presentationml/2006/main">
   <p:cSld>
     <p:spTree>
@@ -5711,7 +6143,7 @@
 </p:sld>
 </file>
 
-<file path=ppt/slides/slide5.xml><?xml version="1.0" encoding="utf-8"?>
+<file path=ppt/slides/slide6.xml><?xml version="1.0" encoding="utf-8"?>
 <p:sld xmlns:a="http://schemas.openxmlformats.org/drawingml/2006/main" xmlns:r="http://schemas.openxmlformats.org/officeDocument/2006/relationships" xmlns:p="http://schemas.openxmlformats.org/presentationml/2006/main">
   <p:cSld>
     <p:spTree>
@@ -6063,7 +6495,7 @@
 </p:sld>
 </file>
 
-<file path=ppt/slides/slide6.xml><?xml version="1.0" encoding="utf-8"?>
+<file path=ppt/slides/slide7.xml><?xml version="1.0" encoding="utf-8"?>
 <p:sld xmlns:a="http://schemas.openxmlformats.org/drawingml/2006/main" xmlns:r="http://schemas.openxmlformats.org/officeDocument/2006/relationships" xmlns:p="http://schemas.openxmlformats.org/presentationml/2006/main">
   <p:cSld>
     <p:spTree>
@@ -6646,7 +7078,7 @@
 </p:sld>
 </file>
 
-<file path=ppt/slides/slide7.xml><?xml version="1.0" encoding="utf-8"?>
+<file path=ppt/slides/slide8.xml><?xml version="1.0" encoding="utf-8"?>
 <p:sld xmlns:a="http://schemas.openxmlformats.org/drawingml/2006/main" xmlns:r="http://schemas.openxmlformats.org/officeDocument/2006/relationships" xmlns:p="http://schemas.openxmlformats.org/presentationml/2006/main">
   <p:cSld>
     <p:spTree>
@@ -7412,7 +7844,7 @@
 </p:sld>
 </file>
 
-<file path=ppt/slides/slide8.xml><?xml version="1.0" encoding="utf-8"?>
+<file path=ppt/slides/slide9.xml><?xml version="1.0" encoding="utf-8"?>
 <p:sld xmlns:a="http://schemas.openxmlformats.org/drawingml/2006/main" xmlns:r="http://schemas.openxmlformats.org/officeDocument/2006/relationships" xmlns:p="http://schemas.openxmlformats.org/presentationml/2006/main">
   <p:cSld>
     <p:spTree>
@@ -7902,382 +8334,6 @@
     <p:extLst>
       <p:ext uri="{BB962C8B-B14F-4D97-AF65-F5344CB8AC3E}">
         <p14:creationId xmlns:p14="http://schemas.microsoft.com/office/powerpoint/2010/main" val="3600384960"/>
-      </p:ext>
-    </p:extLst>
-  </p:cSld>
-  <p:clrMapOvr>
-    <a:masterClrMapping/>
-  </p:clrMapOvr>
-</p:sld>
-</file>
-
-<file path=ppt/slides/slide9.xml><?xml version="1.0" encoding="utf-8"?>
-<p:sld xmlns:a="http://schemas.openxmlformats.org/drawingml/2006/main" xmlns:r="http://schemas.openxmlformats.org/officeDocument/2006/relationships" xmlns:p="http://schemas.openxmlformats.org/presentationml/2006/main">
-  <p:cSld>
-    <p:spTree>
-      <p:nvGrpSpPr>
-        <p:cNvPr id="1" name=""/>
-        <p:cNvGrpSpPr/>
-        <p:nvPr/>
-      </p:nvGrpSpPr>
-      <p:grpSpPr>
-        <a:xfrm>
-          <a:off x="0" y="0"/>
-          <a:ext cx="0" cy="0"/>
-          <a:chOff x="0" y="0"/>
-          <a:chExt cx="0" cy="0"/>
-        </a:xfrm>
-      </p:grpSpPr>
-      <p:pic>
-        <p:nvPicPr>
-          <p:cNvPr id="11" name="Imagen 10">
-            <a:extLst>
-              <a:ext uri="{FF2B5EF4-FFF2-40B4-BE49-F238E27FC236}">
-                <a16:creationId xmlns:a16="http://schemas.microsoft.com/office/drawing/2014/main" id="{1939C339-BB43-4449-8FEB-188A8B3F6496}"/>
-              </a:ext>
-            </a:extLst>
-          </p:cNvPr>
-          <p:cNvPicPr>
-            <a:picLocks noChangeAspect="1"/>
-          </p:cNvPicPr>
-          <p:nvPr/>
-        </p:nvPicPr>
-        <p:blipFill>
-          <a:blip r:embed="rId2">
-            <a:extLst>
-              <a:ext uri="{28A0092B-C50C-407E-A947-70E740481C1C}">
-                <a14:useLocalDpi xmlns:a14="http://schemas.microsoft.com/office/drawing/2010/main" val="0"/>
-              </a:ext>
-            </a:extLst>
-          </a:blip>
-          <a:stretch>
-            <a:fillRect/>
-          </a:stretch>
-        </p:blipFill>
-        <p:spPr>
-          <a:xfrm>
-            <a:off x="429477" y="0"/>
-            <a:ext cx="1905266" cy="1905266"/>
-          </a:xfrm>
-          <a:prstGeom prst="rect">
-            <a:avLst/>
-          </a:prstGeom>
-        </p:spPr>
-      </p:pic>
-      <p:graphicFrame>
-        <p:nvGraphicFramePr>
-          <p:cNvPr id="12" name="Tabla 11">
-            <a:extLst>
-              <a:ext uri="{FF2B5EF4-FFF2-40B4-BE49-F238E27FC236}">
-                <a16:creationId xmlns:a16="http://schemas.microsoft.com/office/drawing/2014/main" id="{BA2B87E6-F957-4D48-A8D8-3AB0539E9FD2}"/>
-              </a:ext>
-            </a:extLst>
-          </p:cNvPr>
-          <p:cNvGraphicFramePr>
-            <a:graphicFrameLocks noGrp="1"/>
-          </p:cNvGraphicFramePr>
-          <p:nvPr/>
-        </p:nvGraphicFramePr>
-        <p:xfrm>
-          <a:off x="2367294" y="605548"/>
-          <a:ext cx="8860000" cy="694170"/>
-        </p:xfrm>
-        <a:graphic>
-          <a:graphicData uri="http://schemas.openxmlformats.org/drawingml/2006/table">
-            <a:tbl>
-              <a:tblPr firstRow="1" bandRow="1">
-                <a:tableStyleId>{5FD0F851-EC5A-4D38-B0AD-8093EC10F338}</a:tableStyleId>
-              </a:tblPr>
-              <a:tblGrid>
-                <a:gridCol w="2215000">
-                  <a:extLst>
-                    <a:ext uri="{9D8B030D-6E8A-4147-A177-3AD203B41FA5}">
-                      <a16:colId xmlns:a16="http://schemas.microsoft.com/office/drawing/2014/main" val="2629240312"/>
-                    </a:ext>
-                  </a:extLst>
-                </a:gridCol>
-                <a:gridCol w="2215000">
-                  <a:extLst>
-                    <a:ext uri="{9D8B030D-6E8A-4147-A177-3AD203B41FA5}">
-                      <a16:colId xmlns:a16="http://schemas.microsoft.com/office/drawing/2014/main" val="334801283"/>
-                    </a:ext>
-                  </a:extLst>
-                </a:gridCol>
-                <a:gridCol w="2215000">
-                  <a:extLst>
-                    <a:ext uri="{9D8B030D-6E8A-4147-A177-3AD203B41FA5}">
-                      <a16:colId xmlns:a16="http://schemas.microsoft.com/office/drawing/2014/main" val="2273691399"/>
-                    </a:ext>
-                  </a:extLst>
-                </a:gridCol>
-                <a:gridCol w="2215000">
-                  <a:extLst>
-                    <a:ext uri="{9D8B030D-6E8A-4147-A177-3AD203B41FA5}">
-                      <a16:colId xmlns:a16="http://schemas.microsoft.com/office/drawing/2014/main" val="416161982"/>
-                    </a:ext>
-                  </a:extLst>
-                </a:gridCol>
-              </a:tblGrid>
-              <a:tr h="694170">
-                <a:tc>
-                  <a:txBody>
-                    <a:bodyPr/>
-                    <a:lstStyle/>
-                    <a:p>
-                      <a:pPr algn="ctr"/>
-                      <a:r>
-                        <a:rPr lang="es-ES" dirty="0"/>
-                        <a:t>INSTALACIONES</a:t>
-                      </a:r>
-                    </a:p>
-                  </a:txBody>
-                  <a:tcPr anchor="ctr"/>
-                </a:tc>
-                <a:tc>
-                  <a:txBody>
-                    <a:bodyPr/>
-                    <a:lstStyle/>
-                    <a:p>
-                      <a:pPr algn="ctr"/>
-                      <a:r>
-                        <a:rPr lang="es-ES" dirty="0"/>
-                        <a:t>CLASES</a:t>
-                      </a:r>
-                    </a:p>
-                  </a:txBody>
-                  <a:tcPr anchor="ctr"/>
-                </a:tc>
-                <a:tc>
-                  <a:txBody>
-                    <a:bodyPr/>
-                    <a:lstStyle/>
-                    <a:p>
-                      <a:pPr algn="ctr"/>
-                      <a:r>
-                        <a:rPr lang="es-ES" dirty="0"/>
-                        <a:t>HORARIOS</a:t>
-                      </a:r>
-                    </a:p>
-                  </a:txBody>
-                  <a:tcPr anchor="ctr"/>
-                </a:tc>
-                <a:tc>
-                  <a:txBody>
-                    <a:bodyPr/>
-                    <a:lstStyle/>
-                    <a:p>
-                      <a:pPr algn="ctr"/>
-                      <a:r>
-                        <a:rPr lang="es-ES" dirty="0"/>
-                        <a:t>REGISTRO</a:t>
-                      </a:r>
-                    </a:p>
-                  </a:txBody>
-                  <a:tcPr anchor="ctr"/>
-                </a:tc>
-                <a:extLst>
-                  <a:ext uri="{0D108BD9-81ED-4DB2-BD59-A6C34878D82A}">
-                    <a16:rowId xmlns:a16="http://schemas.microsoft.com/office/drawing/2014/main" val="303552960"/>
-                  </a:ext>
-                </a:extLst>
-              </a:tr>
-            </a:tbl>
-          </a:graphicData>
-        </a:graphic>
-      </p:graphicFrame>
-      <p:pic>
-        <p:nvPicPr>
-          <p:cNvPr id="2" name="Imagen 1">
-            <a:extLst>
-              <a:ext uri="{FF2B5EF4-FFF2-40B4-BE49-F238E27FC236}">
-                <a16:creationId xmlns:a16="http://schemas.microsoft.com/office/drawing/2014/main" id="{4D83BFAF-46A6-44F8-B46A-C6AC07F25708}"/>
-              </a:ext>
-            </a:extLst>
-          </p:cNvPr>
-          <p:cNvPicPr>
-            <a:picLocks noChangeAspect="1"/>
-          </p:cNvPicPr>
-          <p:nvPr/>
-        </p:nvPicPr>
-        <p:blipFill>
-          <a:blip r:embed="rId3"/>
-          <a:stretch>
-            <a:fillRect/>
-          </a:stretch>
-        </p:blipFill>
-        <p:spPr>
-          <a:xfrm>
-            <a:off x="0" y="1741550"/>
-            <a:ext cx="12192000" cy="327431"/>
-          </a:xfrm>
-          <a:prstGeom prst="rect">
-            <a:avLst/>
-          </a:prstGeom>
-        </p:spPr>
-      </p:pic>
-      <p:pic>
-        <p:nvPicPr>
-          <p:cNvPr id="4" name="Imagen 3">
-            <a:extLst>
-              <a:ext uri="{FF2B5EF4-FFF2-40B4-BE49-F238E27FC236}">
-                <a16:creationId xmlns:a16="http://schemas.microsoft.com/office/drawing/2014/main" id="{6EE15036-FB27-41A4-B920-76888A2FC9EF}"/>
-              </a:ext>
-            </a:extLst>
-          </p:cNvPr>
-          <p:cNvPicPr>
-            <a:picLocks noChangeAspect="1"/>
-          </p:cNvPicPr>
-          <p:nvPr/>
-        </p:nvPicPr>
-        <p:blipFill>
-          <a:blip r:embed="rId4"/>
-          <a:stretch>
-            <a:fillRect/>
-          </a:stretch>
-        </p:blipFill>
-        <p:spPr>
-          <a:xfrm>
-            <a:off x="0" y="3635250"/>
-            <a:ext cx="12192000" cy="3222750"/>
-          </a:xfrm>
-          <a:prstGeom prst="rect">
-            <a:avLst/>
-          </a:prstGeom>
-        </p:spPr>
-      </p:pic>
-      <p:sp>
-        <p:nvSpPr>
-          <p:cNvPr id="5" name="CuadroTexto 4">
-            <a:extLst>
-              <a:ext uri="{FF2B5EF4-FFF2-40B4-BE49-F238E27FC236}">
-                <a16:creationId xmlns:a16="http://schemas.microsoft.com/office/drawing/2014/main" id="{DDFA36AF-6481-4F61-8674-258F09DAEDC8}"/>
-              </a:ext>
-            </a:extLst>
-          </p:cNvPr>
-          <p:cNvSpPr txBox="1"/>
-          <p:nvPr/>
-        </p:nvSpPr>
-        <p:spPr>
-          <a:xfrm>
-            <a:off x="2601157" y="2478762"/>
-            <a:ext cx="6010183" cy="646331"/>
-          </a:xfrm>
-          <a:prstGeom prst="rect">
-            <a:avLst/>
-          </a:prstGeom>
-        </p:spPr>
-        <p:style>
-          <a:lnRef idx="2">
-            <a:schemeClr val="accent2">
-              <a:shade val="50000"/>
-            </a:schemeClr>
-          </a:lnRef>
-          <a:fillRef idx="1">
-            <a:schemeClr val="accent2"/>
-          </a:fillRef>
-          <a:effectRef idx="0">
-            <a:schemeClr val="accent2"/>
-          </a:effectRef>
-          <a:fontRef idx="minor">
-            <a:schemeClr val="lt1"/>
-          </a:fontRef>
-        </p:style>
-        <p:txBody>
-          <a:bodyPr wrap="square" rtlCol="0">
-            <a:spAutoFit/>
-          </a:bodyPr>
-          <a:lstStyle/>
-          <a:p>
-            <a:r>
-              <a:rPr lang="es-ES" dirty="0"/>
-              <a:t>En la parte de abajo sería bueno tener un Donde estamos, RRSS, datos de contacto, etc.</a:t>
-            </a:r>
-          </a:p>
-        </p:txBody>
-      </p:sp>
-      <p:pic>
-        <p:nvPicPr>
-          <p:cNvPr id="6" name="Imagen 5">
-            <a:extLst>
-              <a:ext uri="{FF2B5EF4-FFF2-40B4-BE49-F238E27FC236}">
-                <a16:creationId xmlns:a16="http://schemas.microsoft.com/office/drawing/2014/main" id="{46C79E74-16AD-4ED5-93F0-6F8C395BD4DC}"/>
-              </a:ext>
-            </a:extLst>
-          </p:cNvPr>
-          <p:cNvPicPr>
-            <a:picLocks noChangeAspect="1"/>
-          </p:cNvPicPr>
-          <p:nvPr/>
-        </p:nvPicPr>
-        <p:blipFill>
-          <a:blip r:embed="rId5"/>
-          <a:stretch>
-            <a:fillRect/>
-          </a:stretch>
-        </p:blipFill>
-        <p:spPr>
-          <a:xfrm>
-            <a:off x="10874267" y="3199197"/>
-            <a:ext cx="1114425" cy="361950"/>
-          </a:xfrm>
-          <a:prstGeom prst="rect">
-            <a:avLst/>
-          </a:prstGeom>
-        </p:spPr>
-      </p:pic>
-      <p:sp>
-        <p:nvSpPr>
-          <p:cNvPr id="3" name="Rectángulo 2">
-            <a:extLst>
-              <a:ext uri="{FF2B5EF4-FFF2-40B4-BE49-F238E27FC236}">
-                <a16:creationId xmlns:a16="http://schemas.microsoft.com/office/drawing/2014/main" id="{1010950F-259B-4D99-901A-460D8CDE71D8}"/>
-              </a:ext>
-            </a:extLst>
-          </p:cNvPr>
-          <p:cNvSpPr/>
-          <p:nvPr/>
-        </p:nvSpPr>
-        <p:spPr>
-          <a:xfrm>
-            <a:off x="3098307" y="3746377"/>
-            <a:ext cx="2734322" cy="3111623"/>
-          </a:xfrm>
-          <a:prstGeom prst="rect">
-            <a:avLst/>
-          </a:prstGeom>
-        </p:spPr>
-        <p:style>
-          <a:lnRef idx="2">
-            <a:schemeClr val="accent1">
-              <a:shade val="50000"/>
-            </a:schemeClr>
-          </a:lnRef>
-          <a:fillRef idx="1">
-            <a:schemeClr val="accent1"/>
-          </a:fillRef>
-          <a:effectRef idx="0">
-            <a:schemeClr val="accent1"/>
-          </a:effectRef>
-          <a:fontRef idx="minor">
-            <a:schemeClr val="lt1"/>
-          </a:fontRef>
-        </p:style>
-        <p:txBody>
-          <a:bodyPr rtlCol="0" anchor="ctr"/>
-          <a:lstStyle/>
-          <a:p>
-            <a:pPr algn="ctr"/>
-            <a:r>
-              <a:rPr lang="es-ES" dirty="0"/>
-              <a:t>Contacto</a:t>
-            </a:r>
-          </a:p>
-        </p:txBody>
-      </p:sp>
-    </p:spTree>
-    <p:extLst>
-      <p:ext uri="{BB962C8B-B14F-4D97-AF65-F5344CB8AC3E}">
-        <p14:creationId xmlns:p14="http://schemas.microsoft.com/office/powerpoint/2010/main" val="2392687587"/>
       </p:ext>
     </p:extLst>
   </p:cSld>
@@ -9087,18 +9143,18 @@
 </file>
 
 <file path=customXml/item2.xml><?xml version="1.0" encoding="utf-8"?>
+<p:properties xmlns:p="http://schemas.microsoft.com/office/2006/metadata/properties" xmlns:xsi="http://www.w3.org/2001/XMLSchema-instance" xmlns:pc="http://schemas.microsoft.com/office/infopath/2007/PartnerControls">
+  <documentManagement/>
+</p:properties>
+</file>
+
+<file path=customXml/item3.xml><?xml version="1.0" encoding="utf-8"?>
 <?mso-contentType ?>
 <FormTemplates xmlns="http://schemas.microsoft.com/sharepoint/v3/contenttype/forms">
   <Display>DocumentLibraryForm</Display>
   <Edit>DocumentLibraryForm</Edit>
   <New>DocumentLibraryForm</New>
 </FormTemplates>
-</file>
-
-<file path=customXml/item3.xml><?xml version="1.0" encoding="utf-8"?>
-<p:properties xmlns:p="http://schemas.microsoft.com/office/2006/metadata/properties" xmlns:xsi="http://www.w3.org/2001/XMLSchema-instance" xmlns:pc="http://schemas.microsoft.com/office/infopath/2007/PartnerControls">
-  <documentManagement/>
-</p:properties>
 </file>
 
 <file path=customXml/itemProps1.xml><?xml version="1.0" encoding="utf-8"?>
@@ -9121,14 +9177,6 @@
 </file>
 
 <file path=customXml/itemProps2.xml><?xml version="1.0" encoding="utf-8"?>
-<ds:datastoreItem xmlns:ds="http://schemas.openxmlformats.org/officeDocument/2006/customXml" ds:itemID="{924B82E1-62EB-40C8-8C4E-38FD45BBB06D}">
-  <ds:schemaRefs>
-    <ds:schemaRef ds:uri="http://schemas.microsoft.com/sharepoint/v3/contenttype/forms"/>
-  </ds:schemaRefs>
-</ds:datastoreItem>
-</file>
-
-<file path=customXml/itemProps3.xml><?xml version="1.0" encoding="utf-8"?>
 <ds:datastoreItem xmlns:ds="http://schemas.openxmlformats.org/officeDocument/2006/customXml" ds:itemID="{0AC089E1-D4D5-4020-96FE-BFB7D88582A7}">
   <ds:schemaRefs>
     <ds:schemaRef ds:uri="http://schemas.openxmlformats.org/package/2006/metadata/core-properties"/>
@@ -9143,4 +9191,12 @@
     <ds:schemaRef ds:uri="51125a14-6e0f-47e5-8dcc-de7ba44d5295"/>
   </ds:schemaRefs>
 </ds:datastoreItem>
+</file>
+
+<file path=customXml/itemProps3.xml><?xml version="1.0" encoding="utf-8"?>
+<ds:datastoreItem xmlns:ds="http://schemas.openxmlformats.org/officeDocument/2006/customXml" ds:itemID="{924B82E1-62EB-40C8-8C4E-38FD45BBB06D}">
+  <ds:schemaRefs>
+    <ds:schemaRef ds:uri="http://schemas.microsoft.com/sharepoint/v3/contenttype/forms"/>
+  </ds:schemaRefs>
+</ds:datastoreItem>
 </file>
--- a/Interfaz_CEUFIT.pptx
+++ b/Interfaz_CEUFIT.pptx
@@ -516,7 +516,7 @@
           <a:p>
             <a:fld id="{8760D476-FBA2-4511-867B-D1A20D55BF75}" type="datetimeFigureOut">
               <a:rPr lang="es-ES" smtClean="0"/>
-              <a:t>28/10/2019</a:t>
+              <a:t>05/11/2019</a:t>
             </a:fld>
             <a:endParaRPr lang="es-ES"/>
           </a:p>
@@ -930,7 +930,7 @@
           <a:p>
             <a:fld id="{532A5258-C698-4B63-8FB2-C41A9A637DDF}" type="datetimeFigureOut">
               <a:rPr lang="es-ES" smtClean="0"/>
-              <a:t>28/10/2019</a:t>
+              <a:t>05/11/2019</a:t>
             </a:fld>
             <a:endParaRPr lang="es-ES"/>
           </a:p>
@@ -1128,7 +1128,7 @@
           <a:p>
             <a:fld id="{532A5258-C698-4B63-8FB2-C41A9A637DDF}" type="datetimeFigureOut">
               <a:rPr lang="es-ES" smtClean="0"/>
-              <a:t>28/10/2019</a:t>
+              <a:t>05/11/2019</a:t>
             </a:fld>
             <a:endParaRPr lang="es-ES"/>
           </a:p>
@@ -1336,7 +1336,7 @@
           <a:p>
             <a:fld id="{532A5258-C698-4B63-8FB2-C41A9A637DDF}" type="datetimeFigureOut">
               <a:rPr lang="es-ES" smtClean="0"/>
-              <a:t>28/10/2019</a:t>
+              <a:t>05/11/2019</a:t>
             </a:fld>
             <a:endParaRPr lang="es-ES"/>
           </a:p>
@@ -1534,7 +1534,7 @@
           <a:p>
             <a:fld id="{532A5258-C698-4B63-8FB2-C41A9A637DDF}" type="datetimeFigureOut">
               <a:rPr lang="es-ES" smtClean="0"/>
-              <a:t>28/10/2019</a:t>
+              <a:t>05/11/2019</a:t>
             </a:fld>
             <a:endParaRPr lang="es-ES"/>
           </a:p>
@@ -1809,7 +1809,7 @@
           <a:p>
             <a:fld id="{532A5258-C698-4B63-8FB2-C41A9A637DDF}" type="datetimeFigureOut">
               <a:rPr lang="es-ES" smtClean="0"/>
-              <a:t>28/10/2019</a:t>
+              <a:t>05/11/2019</a:t>
             </a:fld>
             <a:endParaRPr lang="es-ES"/>
           </a:p>
@@ -2074,7 +2074,7 @@
           <a:p>
             <a:fld id="{532A5258-C698-4B63-8FB2-C41A9A637DDF}" type="datetimeFigureOut">
               <a:rPr lang="es-ES" smtClean="0"/>
-              <a:t>28/10/2019</a:t>
+              <a:t>05/11/2019</a:t>
             </a:fld>
             <a:endParaRPr lang="es-ES"/>
           </a:p>
@@ -2486,7 +2486,7 @@
           <a:p>
             <a:fld id="{532A5258-C698-4B63-8FB2-C41A9A637DDF}" type="datetimeFigureOut">
               <a:rPr lang="es-ES" smtClean="0"/>
-              <a:t>28/10/2019</a:t>
+              <a:t>05/11/2019</a:t>
             </a:fld>
             <a:endParaRPr lang="es-ES"/>
           </a:p>
@@ -2627,7 +2627,7 @@
           <a:p>
             <a:fld id="{532A5258-C698-4B63-8FB2-C41A9A637DDF}" type="datetimeFigureOut">
               <a:rPr lang="es-ES" smtClean="0"/>
-              <a:t>28/10/2019</a:t>
+              <a:t>05/11/2019</a:t>
             </a:fld>
             <a:endParaRPr lang="es-ES"/>
           </a:p>
@@ -2740,7 +2740,7 @@
           <a:p>
             <a:fld id="{532A5258-C698-4B63-8FB2-C41A9A637DDF}" type="datetimeFigureOut">
               <a:rPr lang="es-ES" smtClean="0"/>
-              <a:t>28/10/2019</a:t>
+              <a:t>05/11/2019</a:t>
             </a:fld>
             <a:endParaRPr lang="es-ES"/>
           </a:p>
@@ -3051,7 +3051,7 @@
           <a:p>
             <a:fld id="{532A5258-C698-4B63-8FB2-C41A9A637DDF}" type="datetimeFigureOut">
               <a:rPr lang="es-ES" smtClean="0"/>
-              <a:t>28/10/2019</a:t>
+              <a:t>05/11/2019</a:t>
             </a:fld>
             <a:endParaRPr lang="es-ES"/>
           </a:p>
@@ -3339,7 +3339,7 @@
           <a:p>
             <a:fld id="{532A5258-C698-4B63-8FB2-C41A9A637DDF}" type="datetimeFigureOut">
               <a:rPr lang="es-ES" smtClean="0"/>
-              <a:t>28/10/2019</a:t>
+              <a:t>05/11/2019</a:t>
             </a:fld>
             <a:endParaRPr lang="es-ES"/>
           </a:p>
@@ -3580,7 +3580,7 @@
           <a:p>
             <a:fld id="{532A5258-C698-4B63-8FB2-C41A9A637DDF}" type="datetimeFigureOut">
               <a:rPr lang="es-ES" smtClean="0"/>
-              <a:t>28/10/2019</a:t>
+              <a:t>05/11/2019</a:t>
             </a:fld>
             <a:endParaRPr lang="es-ES"/>
           </a:p>
@@ -4708,8 +4708,8 @@
         </p:nvSpPr>
         <p:spPr>
           <a:xfrm>
-            <a:off x="3098307" y="3746377"/>
-            <a:ext cx="2734322" cy="3111623"/>
+            <a:off x="3213716" y="3664179"/>
+            <a:ext cx="5513033" cy="3111623"/>
           </a:xfrm>
           <a:prstGeom prst="rect">
             <a:avLst/>
@@ -7192,7 +7192,7 @@
           <p:nvPr>
             <p:extLst>
               <p:ext uri="{D42A27DB-BD31-4B8C-83A1-F6EECF244321}">
-                <p14:modId xmlns:p14="http://schemas.microsoft.com/office/powerpoint/2010/main" val="3167906264"/>
+                <p14:modId xmlns:p14="http://schemas.microsoft.com/office/powerpoint/2010/main" val="3289021886"/>
               </p:ext>
             </p:extLst>
           </p:nvPr>
@@ -7274,7 +7274,7 @@
                       <a:pPr algn="ctr"/>
                       <a:r>
                         <a:rPr lang="es-ES" dirty="0"/>
-                        <a:t>HORARIOS</a:t>
+                        <a:t>MI HORARIO</a:t>
                       </a:r>
                     </a:p>
                   </a:txBody>
@@ -8934,6 +8934,21 @@
 </file>
 
 <file path=customXml/item1.xml><?xml version="1.0" encoding="utf-8"?>
+<?mso-contentType ?>
+<FormTemplates xmlns="http://schemas.microsoft.com/sharepoint/v3/contenttype/forms">
+  <Display>DocumentLibraryForm</Display>
+  <Edit>DocumentLibraryForm</Edit>
+  <New>DocumentLibraryForm</New>
+</FormTemplates>
+</file>
+
+<file path=customXml/item2.xml><?xml version="1.0" encoding="utf-8"?>
+<p:properties xmlns:p="http://schemas.microsoft.com/office/2006/metadata/properties" xmlns:xsi="http://www.w3.org/2001/XMLSchema-instance" xmlns:pc="http://schemas.microsoft.com/office/infopath/2007/PartnerControls">
+  <documentManagement/>
+</p:properties>
+</file>
+
+<file path=customXml/item3.xml><?xml version="1.0" encoding="utf-8"?>
 <ct:contentTypeSchema xmlns:ct="http://schemas.microsoft.com/office/2006/metadata/contentType" xmlns:ma="http://schemas.microsoft.com/office/2006/metadata/properties/metaAttributes" ct:_="" ma:_="" ma:contentTypeName="Documento" ma:contentTypeID="0x010100A4DDFB69B65EA74AAEC3FAC6120DAC8E" ma:contentTypeVersion="11" ma:contentTypeDescription="Crear nuevo documento." ma:contentTypeScope="" ma:versionID="4695b8a4940f0351bdbafe4418925a2a">
   <xsd:schema xmlns:xsd="http://www.w3.org/2001/XMLSchema" xmlns:xs="http://www.w3.org/2001/XMLSchema" xmlns:p="http://schemas.microsoft.com/office/2006/metadata/properties" xmlns:ns3="51125a14-6e0f-47e5-8dcc-de7ba44d5295" xmlns:ns4="75f0d203-4924-45ea-9e5d-a62869336348" targetNamespace="http://schemas.microsoft.com/office/2006/metadata/properties" ma:root="true" ma:fieldsID="9bef9c764f8d15a40114a64b6dcf2aca" ns3:_="" ns4:_="">
     <xsd:import namespace="51125a14-6e0f-47e5-8dcc-de7ba44d5295"/>
@@ -9142,36 +9157,10 @@
 </ct:contentTypeSchema>
 </file>
 
-<file path=customXml/item2.xml><?xml version="1.0" encoding="utf-8"?>
-<p:properties xmlns:p="http://schemas.microsoft.com/office/2006/metadata/properties" xmlns:xsi="http://www.w3.org/2001/XMLSchema-instance" xmlns:pc="http://schemas.microsoft.com/office/infopath/2007/PartnerControls">
-  <documentManagement/>
-</p:properties>
-</file>
-
-<file path=customXml/item3.xml><?xml version="1.0" encoding="utf-8"?>
-<?mso-contentType ?>
-<FormTemplates xmlns="http://schemas.microsoft.com/sharepoint/v3/contenttype/forms">
-  <Display>DocumentLibraryForm</Display>
-  <Edit>DocumentLibraryForm</Edit>
-  <New>DocumentLibraryForm</New>
-</FormTemplates>
-</file>
-
 <file path=customXml/itemProps1.xml><?xml version="1.0" encoding="utf-8"?>
-<ds:datastoreItem xmlns:ds="http://schemas.openxmlformats.org/officeDocument/2006/customXml" ds:itemID="{0A85564A-32EE-4C19-8287-E5FD384CB8D7}">
+<ds:datastoreItem xmlns:ds="http://schemas.openxmlformats.org/officeDocument/2006/customXml" ds:itemID="{924B82E1-62EB-40C8-8C4E-38FD45BBB06D}">
   <ds:schemaRefs>
-    <ds:schemaRef ds:uri="http://schemas.microsoft.com/office/2006/metadata/contentType"/>
-    <ds:schemaRef ds:uri="http://schemas.microsoft.com/office/2006/metadata/properties/metaAttributes"/>
-    <ds:schemaRef ds:uri="http://www.w3.org/2001/XMLSchema"/>
-    <ds:schemaRef ds:uri="http://schemas.microsoft.com/office/2006/metadata/properties"/>
-    <ds:schemaRef ds:uri="51125a14-6e0f-47e5-8dcc-de7ba44d5295"/>
-    <ds:schemaRef ds:uri="75f0d203-4924-45ea-9e5d-a62869336348"/>
-    <ds:schemaRef ds:uri="http://schemas.microsoft.com/office/2006/documentManagement/types"/>
-    <ds:schemaRef ds:uri="http://schemas.microsoft.com/office/infopath/2007/PartnerControls"/>
-    <ds:schemaRef ds:uri="http://schemas.openxmlformats.org/package/2006/metadata/core-properties"/>
-    <ds:schemaRef ds:uri="http://purl.org/dc/elements/1.1/"/>
-    <ds:schemaRef ds:uri="http://purl.org/dc/terms/"/>
-    <ds:schemaRef ds:uri="http://schemas.microsoft.com/internal/obd"/>
+    <ds:schemaRef ds:uri="http://schemas.microsoft.com/sharepoint/v3/contenttype/forms"/>
   </ds:schemaRefs>
 </ds:datastoreItem>
 </file>
@@ -9194,9 +9183,20 @@
 </file>
 
 <file path=customXml/itemProps3.xml><?xml version="1.0" encoding="utf-8"?>
-<ds:datastoreItem xmlns:ds="http://schemas.openxmlformats.org/officeDocument/2006/customXml" ds:itemID="{924B82E1-62EB-40C8-8C4E-38FD45BBB06D}">
+<ds:datastoreItem xmlns:ds="http://schemas.openxmlformats.org/officeDocument/2006/customXml" ds:itemID="{0A85564A-32EE-4C19-8287-E5FD384CB8D7}">
   <ds:schemaRefs>
-    <ds:schemaRef ds:uri="http://schemas.microsoft.com/sharepoint/v3/contenttype/forms"/>
+    <ds:schemaRef ds:uri="http://schemas.microsoft.com/office/2006/metadata/contentType"/>
+    <ds:schemaRef ds:uri="http://schemas.microsoft.com/office/2006/metadata/properties/metaAttributes"/>
+    <ds:schemaRef ds:uri="http://www.w3.org/2001/XMLSchema"/>
+    <ds:schemaRef ds:uri="http://schemas.microsoft.com/office/2006/metadata/properties"/>
+    <ds:schemaRef ds:uri="51125a14-6e0f-47e5-8dcc-de7ba44d5295"/>
+    <ds:schemaRef ds:uri="75f0d203-4924-45ea-9e5d-a62869336348"/>
+    <ds:schemaRef ds:uri="http://schemas.microsoft.com/office/2006/documentManagement/types"/>
+    <ds:schemaRef ds:uri="http://schemas.microsoft.com/office/infopath/2007/PartnerControls"/>
+    <ds:schemaRef ds:uri="http://schemas.openxmlformats.org/package/2006/metadata/core-properties"/>
+    <ds:schemaRef ds:uri="http://purl.org/dc/elements/1.1/"/>
+    <ds:schemaRef ds:uri="http://purl.org/dc/terms/"/>
+    <ds:schemaRef ds:uri="http://schemas.microsoft.com/internal/obd"/>
   </ds:schemaRefs>
 </ds:datastoreItem>
 </file>